--- a/Week 1/Week 1.pptx
+++ b/Week 1/Week 1.pptx
@@ -5,7 +5,7 @@
     <p:sldMasterId id="2147483684" r:id="rId1"/>
   </p:sldMasterIdLst>
   <p:notesMasterIdLst>
-    <p:notesMasterId r:id="rId51"/>
+    <p:notesMasterId r:id="rId50"/>
   </p:notesMasterIdLst>
   <p:sldIdLst>
     <p:sldId id="256" r:id="rId2"/>
@@ -53,10 +53,9 @@
     <p:sldId id="306" r:id="rId44"/>
     <p:sldId id="308" r:id="rId45"/>
     <p:sldId id="307" r:id="rId46"/>
-    <p:sldId id="291" r:id="rId47"/>
-    <p:sldId id="309" r:id="rId48"/>
-    <p:sldId id="293" r:id="rId49"/>
-    <p:sldId id="290" r:id="rId50"/>
+    <p:sldId id="309" r:id="rId47"/>
+    <p:sldId id="293" r:id="rId48"/>
+    <p:sldId id="290" r:id="rId49"/>
   </p:sldIdLst>
   <p:sldSz cx="9144000" cy="6858000" type="screen4x3"/>
   <p:notesSz cx="6858000" cy="9144000"/>
@@ -157,7 +156,7 @@
   </p:defaultTextStyle>
   <p:extLst>
     <p:ext uri="{EFAFB233-063F-42B5-8137-9DF3F51BA10A}">
-      <p15:sldGuideLst xmlns:p15="http://schemas.microsoft.com/office/powerpoint/2012/main" xmlns="">
+      <p15:sldGuideLst xmlns="" xmlns:p15="http://schemas.microsoft.com/office/powerpoint/2012/main">
         <p15:guide id="1" orient="horz" pos="2160">
           <p15:clr>
             <a:srgbClr val="A4A3A4"/>
@@ -256,7 +255,7 @@
           <a:p>
             <a:fld id="{90AF4669-11A5-AA4B-ACB6-1CD3E71EA0D2}" type="datetimeFigureOut">
               <a:rPr lang="en-US" smtClean="0"/>
-              <a:t>1/7/15</a:t>
+              <a:t>1/9/15</a:t>
             </a:fld>
             <a:endParaRPr lang="en-US"/>
           </a:p>
@@ -1224,7 +1223,7 @@
           <a:p>
             <a:fld id="{C95D1B94-35C6-4950-B226-D68A01DA1DCF}" type="datetimeFigureOut">
               <a:rPr lang="en-US" smtClean="0"/>
-              <a:t>1/7/15</a:t>
+              <a:t>1/9/15</a:t>
             </a:fld>
             <a:endParaRPr lang="en-US"/>
           </a:p>
@@ -1389,7 +1388,7 @@
           <a:p>
             <a:fld id="{C95D1B94-35C6-4950-B226-D68A01DA1DCF}" type="datetimeFigureOut">
               <a:rPr lang="en-US" smtClean="0"/>
-              <a:t>1/7/15</a:t>
+              <a:t>1/9/15</a:t>
             </a:fld>
             <a:endParaRPr lang="en-US"/>
           </a:p>
@@ -1564,7 +1563,7 @@
           <a:p>
             <a:fld id="{C95D1B94-35C6-4950-B226-D68A01DA1DCF}" type="datetimeFigureOut">
               <a:rPr lang="en-US" smtClean="0"/>
-              <a:t>1/7/15</a:t>
+              <a:t>1/9/15</a:t>
             </a:fld>
             <a:endParaRPr lang="en-US"/>
           </a:p>
@@ -1747,7 +1746,7 @@
           <a:p>
             <a:fld id="{C95D1B94-35C6-4950-B226-D68A01DA1DCF}" type="datetimeFigureOut">
               <a:rPr lang="en-US" smtClean="0"/>
-              <a:t>1/7/15</a:t>
+              <a:t>1/9/15</a:t>
             </a:fld>
             <a:endParaRPr lang="en-US"/>
           </a:p>
@@ -2009,7 +2008,7 @@
           <a:p>
             <a:fld id="{C95D1B94-35C6-4950-B226-D68A01DA1DCF}" type="datetimeFigureOut">
               <a:rPr lang="en-US" smtClean="0"/>
-              <a:t>1/7/15</a:t>
+              <a:t>1/9/15</a:t>
             </a:fld>
             <a:endParaRPr lang="en-US"/>
           </a:p>
@@ -2357,7 +2356,7 @@
           <a:p>
             <a:fld id="{C95D1B94-35C6-4950-B226-D68A01DA1DCF}" type="datetimeFigureOut">
               <a:rPr lang="en-US" smtClean="0"/>
-              <a:t>1/7/15</a:t>
+              <a:t>1/9/15</a:t>
             </a:fld>
             <a:endParaRPr lang="en-US"/>
           </a:p>
@@ -2665,7 +2664,7 @@
           <a:p>
             <a:fld id="{C95D1B94-35C6-4950-B226-D68A01DA1DCF}" type="datetimeFigureOut">
               <a:rPr lang="en-US" smtClean="0"/>
-              <a:t>1/7/15</a:t>
+              <a:t>1/9/15</a:t>
             </a:fld>
             <a:endParaRPr lang="en-US"/>
           </a:p>
@@ -2892,7 +2891,7 @@
           <a:p>
             <a:fld id="{C95D1B94-35C6-4950-B226-D68A01DA1DCF}" type="datetimeFigureOut">
               <a:rPr lang="en-US" smtClean="0"/>
-              <a:t>1/7/15</a:t>
+              <a:t>1/9/15</a:t>
             </a:fld>
             <a:endParaRPr lang="en-US"/>
           </a:p>
@@ -2982,7 +2981,7 @@
           <a:p>
             <a:fld id="{C95D1B94-35C6-4950-B226-D68A01DA1DCF}" type="datetimeFigureOut">
               <a:rPr lang="en-US" smtClean="0"/>
-              <a:t>1/7/15</a:t>
+              <a:t>1/9/15</a:t>
             </a:fld>
             <a:endParaRPr lang="en-US"/>
           </a:p>
@@ -3270,7 +3269,7 @@
           <a:p>
             <a:fld id="{C95D1B94-35C6-4950-B226-D68A01DA1DCF}" type="datetimeFigureOut">
               <a:rPr lang="en-US" smtClean="0"/>
-              <a:t>1/7/15</a:t>
+              <a:t>1/9/15</a:t>
             </a:fld>
             <a:endParaRPr lang="en-US"/>
           </a:p>
@@ -3539,7 +3538,7 @@
           <a:p>
             <a:fld id="{C95D1B94-35C6-4950-B226-D68A01DA1DCF}" type="datetimeFigureOut">
               <a:rPr lang="en-US" smtClean="0"/>
-              <a:t>1/7/15</a:t>
+              <a:t>1/9/15</a:t>
             </a:fld>
             <a:endParaRPr lang="en-US"/>
           </a:p>
@@ -3749,7 +3748,7 @@
           <a:p>
             <a:fld id="{C95D1B94-35C6-4950-B226-D68A01DA1DCF}" type="datetimeFigureOut">
               <a:rPr lang="en-US" smtClean="0"/>
-              <a:t>1/7/15</a:t>
+              <a:t>1/9/15</a:t>
             </a:fld>
             <a:endParaRPr lang="en-US"/>
           </a:p>
@@ -15494,7 +15493,6 @@
               <a:rPr lang="en-US" dirty="0" smtClean="0"/>
               <a:t>Pivot</a:t>
             </a:r>
-            <a:endParaRPr lang="en-US" dirty="0" smtClean="0"/>
           </a:p>
           <a:p>
             <a:pPr lvl="1"/>
@@ -15782,7 +15780,6 @@
               <a:rPr lang="en-US" dirty="0" smtClean="0"/>
               <a:t>Object</a:t>
             </a:r>
-            <a:endParaRPr lang="en-US" dirty="0" smtClean="0"/>
           </a:p>
           <a:p>
             <a:pPr lvl="1"/>
@@ -15804,11 +15801,7 @@
             </a:r>
             <a:r>
               <a:rPr lang="en-US" dirty="0" smtClean="0"/>
-              <a:t> </a:t>
-            </a:r>
-            <a:r>
-              <a:rPr lang="en-US" dirty="0" smtClean="0"/>
-              <a:t>Objects</a:t>
+              <a:t> Objects</a:t>
             </a:r>
             <a:endParaRPr lang="en-US" dirty="0"/>
           </a:p>
@@ -16046,11 +16039,7 @@
           <a:p>
             <a:r>
               <a:rPr lang="en-US" dirty="0" smtClean="0"/>
-              <a:t>Live </a:t>
-            </a:r>
-            <a:r>
-              <a:rPr lang="en-US" dirty="0" smtClean="0"/>
-              <a:t>Pivot Demo</a:t>
+              <a:t>Live Pivot Demo</a:t>
             </a:r>
             <a:endParaRPr lang="en-US" dirty="0"/>
           </a:p>
@@ -20787,12 +20776,12 @@
             </a:r>
           </a:p>
           <a:p>
-            <a:endParaRPr lang="en-US" dirty="0"/>
-          </a:p>
-          <a:p>
-            <a:r>
-              <a:rPr lang="en-US" dirty="0" smtClean="0"/>
-              <a:t>Due to a technical limitation, native (C++) debugging and managed (C#) debugging are mutually exclusive</a:t>
+            <a:endParaRPr lang="en-US" dirty="0" smtClean="0"/>
+          </a:p>
+          <a:p>
+            <a:r>
+              <a:rPr lang="en-US" dirty="0" smtClean="0"/>
+              <a:t>If you want to debug both Native (C++) and Managed (C#) code, you need to enable that mode in the C# project properties</a:t>
             </a:r>
             <a:endParaRPr lang="en-US" dirty="0"/>
           </a:p>
@@ -21483,136 +21472,75 @@
         </p:nvSpPr>
         <p:spPr/>
         <p:txBody>
-          <a:bodyPr>
-            <a:normAutofit/>
-          </a:bodyPr>
+          <a:bodyPr/>
           <a:lstStyle/>
           <a:p>
             <a:r>
               <a:rPr lang="en-US" dirty="0" smtClean="0"/>
-              <a:t>Three phases</a:t>
+              <a:t>Due at </a:t>
+            </a:r>
+            <a:r>
+              <a:rPr lang="en-US" dirty="0" smtClean="0"/>
+              <a:t>midnight before Lecture 3</a:t>
             </a:r>
           </a:p>
           <a:p>
             <a:pPr lvl="1"/>
             <a:r>
               <a:rPr lang="en-US" dirty="0" smtClean="0"/>
-              <a:t>First phase: Setup and text input</a:t>
-            </a:r>
-          </a:p>
-          <a:p>
-            <a:pPr lvl="2"/>
-            <a:r>
-              <a:rPr lang="en-US" dirty="0" smtClean="0"/>
-              <a:t>Add a </a:t>
-            </a:r>
+              <a:t>12a</a:t>
+            </a:r>
+            <a:r>
+              <a:rPr lang="en-US" dirty="0" smtClean="0"/>
+              <a:t>m January 21st</a:t>
+            </a:r>
+          </a:p>
+          <a:p>
+            <a:pPr lvl="1"/>
+            <a:endParaRPr lang="en-US" dirty="0"/>
+          </a:p>
+          <a:p>
             <a:r>
               <a:rPr lang="en-US" dirty="0" err="1" smtClean="0"/>
-              <a:t>TextBox</a:t>
-            </a:r>
-            <a:r>
-              <a:rPr lang="en-US" dirty="0" smtClean="0"/>
-              <a:t>, </a:t>
+              <a:t>Github</a:t>
+            </a:r>
+            <a:r>
+              <a:rPr lang="en-US" dirty="0" smtClean="0"/>
+              <a:t> will serve as the primary materials collection</a:t>
+            </a:r>
+          </a:p>
+          <a:p>
+            <a:pPr lvl="1"/>
+            <a:r>
+              <a:rPr lang="en-US" dirty="0" smtClean="0"/>
+              <a:t>Slides, Sample code, Homework templates/requirements, etc…</a:t>
+            </a:r>
+          </a:p>
+          <a:p>
+            <a:pPr lvl="1"/>
+            <a:endParaRPr lang="en-US" dirty="0"/>
+          </a:p>
+          <a:p>
+            <a:r>
+              <a:rPr lang="en-US" dirty="0" smtClean="0"/>
+              <a:t>Deliverables must be sent to the class </a:t>
+            </a:r>
+            <a:r>
+              <a:rPr lang="en-US" dirty="0" err="1"/>
+              <a:t>d</a:t>
             </a:r>
             <a:r>
               <a:rPr lang="en-US" dirty="0" err="1" smtClean="0"/>
-              <a:t>TextBlock</a:t>
-            </a:r>
-            <a:r>
-              <a:rPr lang="en-US" dirty="0" smtClean="0"/>
-              <a:t>, and a Button</a:t>
-            </a:r>
-          </a:p>
-          <a:p>
-            <a:pPr lvl="2"/>
-            <a:r>
-              <a:rPr lang="en-US" dirty="0" smtClean="0"/>
-              <a:t>Use the button to convert the Textbox to an integer, add it to a counter, and display it in the </a:t>
-            </a:r>
-            <a:r>
-              <a:rPr lang="en-US" dirty="0" err="1" smtClean="0"/>
-              <a:t>TextBlock</a:t>
-            </a:r>
-            <a:endParaRPr lang="en-US" dirty="0" smtClean="0"/>
-          </a:p>
-          <a:p>
-            <a:pPr lvl="2"/>
-            <a:endParaRPr lang="en-US" dirty="0" smtClean="0"/>
-          </a:p>
-          <a:p>
-            <a:pPr lvl="1"/>
-            <a:r>
-              <a:rPr lang="en-US" dirty="0" smtClean="0"/>
-              <a:t>Second phase: Add a panorama control</a:t>
-            </a:r>
-          </a:p>
-          <a:p>
-            <a:pPr lvl="2"/>
-            <a:r>
-              <a:rPr lang="en-US" dirty="0" smtClean="0"/>
-              <a:t>Use the panorama control to have two pages</a:t>
-            </a:r>
-          </a:p>
-          <a:p>
-            <a:pPr lvl="2"/>
-            <a:r>
-              <a:rPr lang="en-US" dirty="0" smtClean="0"/>
-              <a:t>Have two buttons with separate counters and text controls</a:t>
-            </a:r>
-          </a:p>
-          <a:p>
-            <a:pPr lvl="2"/>
+              <a:t>ropbox</a:t>
+            </a:r>
             <a:endParaRPr lang="en-US" dirty="0"/>
-          </a:p>
-          <a:p>
-            <a:pPr lvl="1"/>
-            <a:r>
-              <a:rPr lang="en-US" dirty="0" smtClean="0"/>
-              <a:t>Third phase: Link in a C++ component</a:t>
-            </a:r>
-          </a:p>
-          <a:p>
-            <a:pPr lvl="2"/>
-            <a:r>
-              <a:rPr lang="en-US" dirty="0" smtClean="0"/>
-              <a:t>Final app should have two pages</a:t>
-            </a:r>
-          </a:p>
-          <a:p>
-            <a:pPr lvl="3"/>
-            <a:r>
-              <a:rPr lang="en-US" dirty="0"/>
-              <a:t>O</a:t>
-            </a:r>
-            <a:r>
-              <a:rPr lang="en-US" dirty="0" smtClean="0"/>
-              <a:t>ne with a C# counter</a:t>
-            </a:r>
-          </a:p>
-          <a:p>
-            <a:pPr lvl="3"/>
-            <a:r>
-              <a:rPr lang="en-US" dirty="0" smtClean="0"/>
-              <a:t>One with a C++ counter</a:t>
-            </a:r>
-          </a:p>
-          <a:p>
-            <a:pPr lvl="2"/>
-            <a:r>
-              <a:rPr lang="en-US" dirty="0" smtClean="0"/>
-              <a:t>Yes, you will wrap the C++ code in C# calls, as XAML only calls C#</a:t>
-            </a:r>
-          </a:p>
-          <a:p>
-            <a:pPr lvl="2"/>
-            <a:endParaRPr lang="en-US" dirty="0" smtClean="0"/>
           </a:p>
         </p:txBody>
       </p:sp>
     </p:spTree>
     <p:extLst>
       <p:ext uri="{BB962C8B-B14F-4D97-AF65-F5344CB8AC3E}">
-        <p14:creationId xmlns:p14="http://schemas.microsoft.com/office/powerpoint/2010/main" val="1605894850"/>
+        <p14:creationId xmlns:p14="http://schemas.microsoft.com/office/powerpoint/2010/main" val="810658984"/>
       </p:ext>
     </p:extLst>
   </p:cSld>
@@ -21663,7 +21591,7 @@
           <a:p>
             <a:r>
               <a:rPr lang="en-US" dirty="0" smtClean="0"/>
-              <a:t>Homework #1</a:t>
+              <a:t>Helpful Links for HW #1</a:t>
             </a:r>
             <a:endParaRPr lang="en-US" dirty="0"/>
           </a:p>
@@ -21686,18 +21614,56 @@
           <a:p>
             <a:r>
               <a:rPr lang="en-US" dirty="0" smtClean="0"/>
-              <a:t>Due at the beginning of class next week</a:t>
+              <a:t>Converting a string to a number in C#</a:t>
             </a:r>
           </a:p>
           <a:p>
             <a:pPr lvl="1"/>
             <a:r>
-              <a:rPr lang="en-US" dirty="0" smtClean="0"/>
-              <a:t>6pm April 7</a:t>
-            </a:r>
-            <a:r>
-              <a:rPr lang="en-US" baseline="30000" dirty="0" smtClean="0"/>
-              <a:t>th</a:t>
+              <a:rPr lang="en-US" dirty="0" smtClean="0">
+                <a:hlinkClick r:id="rId2"/>
+              </a:rPr>
+              <a:t>MSDN Article</a:t>
+            </a:r>
+            <a:endParaRPr lang="en-US" dirty="0" smtClean="0"/>
+          </a:p>
+          <a:p>
+            <a:pPr lvl="1"/>
+            <a:endParaRPr lang="en-US" dirty="0" smtClean="0"/>
+          </a:p>
+          <a:p>
+            <a:r>
+              <a:rPr lang="en-US" dirty="0" smtClean="0"/>
+              <a:t>A brief overview of Pivot Controls</a:t>
+            </a:r>
+          </a:p>
+          <a:p>
+            <a:pPr lvl="1"/>
+            <a:r>
+              <a:rPr lang="en-US" dirty="0" smtClean="0">
+                <a:hlinkClick r:id="rId3"/>
+              </a:rPr>
+              <a:t>MSDN Article</a:t>
+            </a:r>
+            <a:endParaRPr lang="en-US" dirty="0"/>
+          </a:p>
+          <a:p>
+            <a:pPr lvl="1"/>
+            <a:endParaRPr lang="en-US" dirty="0" smtClean="0"/>
+          </a:p>
+          <a:p>
+            <a:r>
+              <a:rPr lang="en-US" dirty="0" smtClean="0"/>
+              <a:t>A tutorial on using C++ components in C#</a:t>
+            </a:r>
+          </a:p>
+          <a:p>
+            <a:pPr lvl="1"/>
+            <a:r>
+              <a:rPr lang="en-US" dirty="0" smtClean="0">
+                <a:hlinkClick r:id="rId4"/>
+              </a:rPr>
+              <a:t>Online tutorial</a:t>
             </a:r>
             <a:endParaRPr lang="en-US" dirty="0" smtClean="0"/>
           </a:p>
@@ -21708,36 +21674,28 @@
           <a:p>
             <a:r>
               <a:rPr lang="en-US" dirty="0" err="1" smtClean="0"/>
+              <a:t>Git</a:t>
+            </a:r>
+            <a:r>
+              <a:rPr lang="en-US" dirty="0" smtClean="0"/>
+              <a:t>/</a:t>
+            </a:r>
+            <a:r>
+              <a:rPr lang="en-US" dirty="0" err="1" smtClean="0"/>
               <a:t>Github</a:t>
             </a:r>
             <a:r>
               <a:rPr lang="en-US" dirty="0" smtClean="0"/>
-              <a:t> will serve as the primary materials collection</a:t>
+              <a:t> help</a:t>
             </a:r>
           </a:p>
           <a:p>
             <a:pPr lvl="1"/>
             <a:r>
-              <a:rPr lang="en-US" dirty="0" smtClean="0"/>
-              <a:t>Slides, Sample code, Homework templates/requirements, etc…</a:t>
-            </a:r>
-          </a:p>
-          <a:p>
-            <a:pPr lvl="1"/>
-            <a:endParaRPr lang="en-US" dirty="0"/>
-          </a:p>
-          <a:p>
-            <a:r>
-              <a:rPr lang="en-US" dirty="0" smtClean="0"/>
-              <a:t>Deliverables must be sent to the class </a:t>
-            </a:r>
-            <a:r>
-              <a:rPr lang="en-US" dirty="0" err="1"/>
-              <a:t>d</a:t>
-            </a:r>
-            <a:r>
-              <a:rPr lang="en-US" dirty="0" err="1" smtClean="0"/>
-              <a:t>ropbox</a:t>
+              <a:rPr lang="en-US" dirty="0" smtClean="0">
+                <a:hlinkClick r:id="rId5"/>
+              </a:rPr>
+              <a:t>Online help center</a:t>
             </a:r>
             <a:endParaRPr lang="en-US" dirty="0"/>
           </a:p>
@@ -21746,7 +21704,7 @@
     </p:spTree>
     <p:extLst>
       <p:ext uri="{BB962C8B-B14F-4D97-AF65-F5344CB8AC3E}">
-        <p14:creationId xmlns:p14="http://schemas.microsoft.com/office/powerpoint/2010/main" val="810658984"/>
+        <p14:creationId xmlns:p14="http://schemas.microsoft.com/office/powerpoint/2010/main" val="4292607688"/>
       </p:ext>
     </p:extLst>
   </p:cSld>
@@ -21797,7 +21755,7 @@
           <a:p>
             <a:r>
               <a:rPr lang="en-US" dirty="0" smtClean="0"/>
-              <a:t>Helpful Links for HW #1</a:t>
+              <a:t>Useful Software Links</a:t>
             </a:r>
             <a:endParaRPr lang="en-US" dirty="0"/>
           </a:p>
@@ -21820,15 +21778,7 @@
           <a:p>
             <a:r>
               <a:rPr lang="en-US" dirty="0" smtClean="0"/>
-              <a:t>Converting a string to </a:t>
-            </a:r>
-            <a:r>
-              <a:rPr lang="en-US" dirty="0" smtClean="0"/>
-              <a:t>a number in </a:t>
-            </a:r>
-            <a:r>
-              <a:rPr lang="en-US" dirty="0" smtClean="0"/>
-              <a:t>C#</a:t>
+              <a:t>Windows Phone 8.1 SDK</a:t>
             </a:r>
           </a:p>
           <a:p>
@@ -21837,9 +21787,39 @@
               <a:rPr lang="en-US" dirty="0" smtClean="0">
                 <a:hlinkClick r:id="rId2"/>
               </a:rPr>
-              <a:t>MSDN Article</a:t>
-            </a:r>
-            <a:endParaRPr lang="en-US" dirty="0" smtClean="0"/>
+              <a:t>Download</a:t>
+            </a:r>
+            <a:r>
+              <a:rPr lang="en-US" dirty="0" smtClean="0"/>
+              <a:t>, available to anyone</a:t>
+            </a:r>
+          </a:p>
+          <a:p>
+            <a:pPr lvl="1"/>
+            <a:endParaRPr lang="en-US" dirty="0"/>
+          </a:p>
+          <a:p>
+            <a:r>
+              <a:rPr lang="en-US" dirty="0" smtClean="0"/>
+              <a:t>Developer Registration for Windows Phone 8.1</a:t>
+            </a:r>
+          </a:p>
+          <a:p>
+            <a:pPr lvl="1"/>
+            <a:r>
+              <a:rPr lang="en-US" dirty="0" smtClean="0">
+                <a:hlinkClick r:id="rId3"/>
+              </a:rPr>
+              <a:t>Instructions</a:t>
+            </a:r>
+            <a:r>
+              <a:rPr lang="en-US" dirty="0" smtClean="0"/>
+              <a:t>, necessary for each phone, to allow apps to be side-loaded</a:t>
+            </a:r>
+          </a:p>
+          <a:p>
+            <a:pPr lvl="1"/>
+            <a:endParaRPr lang="en-US" dirty="0"/>
           </a:p>
           <a:p>
             <a:pPr lvl="1"/>
@@ -21848,241 +21828,8 @@
           <a:p>
             <a:r>
               <a:rPr lang="en-US" dirty="0" smtClean="0"/>
-              <a:t>A brief overview of </a:t>
-            </a:r>
-            <a:r>
-              <a:rPr lang="en-US" dirty="0" smtClean="0"/>
-              <a:t>Pivot Controls</a:t>
-            </a:r>
-            <a:endParaRPr lang="en-US" dirty="0" smtClean="0"/>
-          </a:p>
-          <a:p>
-            <a:pPr lvl="1"/>
-            <a:r>
-              <a:rPr lang="en-US" dirty="0" smtClean="0">
-                <a:hlinkClick r:id="rId3"/>
-              </a:rPr>
-              <a:t>MSDN Article</a:t>
-            </a:r>
-            <a:endParaRPr lang="en-US" dirty="0"/>
-          </a:p>
-          <a:p>
-            <a:pPr lvl="1"/>
-            <a:endParaRPr lang="en-US" dirty="0" smtClean="0"/>
-          </a:p>
-          <a:p>
-            <a:r>
-              <a:rPr lang="en-US" dirty="0" smtClean="0"/>
-              <a:t>A tutorial on using C++ components in C#</a:t>
-            </a:r>
-          </a:p>
-          <a:p>
-            <a:pPr lvl="1"/>
-            <a:r>
-              <a:rPr lang="en-US" dirty="0" smtClean="0">
-                <a:hlinkClick r:id="rId4"/>
-              </a:rPr>
-              <a:t>Online tutorial</a:t>
-            </a:r>
-            <a:endParaRPr lang="en-US" dirty="0" smtClean="0"/>
-          </a:p>
-          <a:p>
-            <a:pPr lvl="1"/>
-            <a:endParaRPr lang="en-US" dirty="0"/>
-          </a:p>
-          <a:p>
-            <a:r>
-              <a:rPr lang="en-US" dirty="0" err="1" smtClean="0"/>
-              <a:t>Git</a:t>
-            </a:r>
-            <a:r>
-              <a:rPr lang="en-US" dirty="0" smtClean="0"/>
-              <a:t>/</a:t>
-            </a:r>
-            <a:r>
-              <a:rPr lang="en-US" dirty="0" err="1" smtClean="0"/>
-              <a:t>Github</a:t>
-            </a:r>
-            <a:r>
-              <a:rPr lang="en-US" dirty="0" smtClean="0"/>
-              <a:t> </a:t>
-            </a:r>
-            <a:r>
-              <a:rPr lang="en-US" dirty="0" smtClean="0"/>
-              <a:t>help</a:t>
-            </a:r>
-          </a:p>
-          <a:p>
-            <a:pPr lvl="1"/>
-            <a:r>
-              <a:rPr lang="en-US" dirty="0" smtClean="0">
-                <a:hlinkClick r:id="rId5"/>
-              </a:rPr>
-              <a:t>Online help center</a:t>
-            </a:r>
-            <a:endParaRPr lang="en-US" dirty="0"/>
-          </a:p>
-        </p:txBody>
-      </p:sp>
-    </p:spTree>
-    <p:extLst>
-      <p:ext uri="{BB962C8B-B14F-4D97-AF65-F5344CB8AC3E}">
-        <p14:creationId xmlns:p14="http://schemas.microsoft.com/office/powerpoint/2010/main" val="4292607688"/>
-      </p:ext>
-    </p:extLst>
-  </p:cSld>
-  <p:clrMapOvr>
-    <a:masterClrMapping/>
-  </p:clrMapOvr>
-  <p:timing>
-    <p:tnLst>
-      <p:par>
-        <p:cTn xmlns:p14="http://schemas.microsoft.com/office/powerpoint/2010/main" id="1" dur="indefinite" restart="never" nodeType="tmRoot"/>
-      </p:par>
-    </p:tnLst>
-  </p:timing>
-</p:sld>
-</file>
-
-<file path=ppt/slides/slide49.xml><?xml version="1.0" encoding="utf-8"?>
-<p:sld xmlns:a="http://schemas.openxmlformats.org/drawingml/2006/main" xmlns:r="http://schemas.openxmlformats.org/officeDocument/2006/relationships" xmlns:p="http://schemas.openxmlformats.org/presentationml/2006/main">
-  <p:cSld>
-    <p:spTree>
-      <p:nvGrpSpPr>
-        <p:cNvPr id="1" name=""/>
-        <p:cNvGrpSpPr/>
-        <p:nvPr/>
-      </p:nvGrpSpPr>
-      <p:grpSpPr>
-        <a:xfrm>
-          <a:off x="0" y="0"/>
-          <a:ext cx="0" cy="0"/>
-          <a:chOff x="0" y="0"/>
-          <a:chExt cx="0" cy="0"/>
-        </a:xfrm>
-      </p:grpSpPr>
-      <p:sp>
-        <p:nvSpPr>
-          <p:cNvPr id="2" name="Title 1"/>
-          <p:cNvSpPr>
-            <a:spLocks noGrp="1"/>
-          </p:cNvSpPr>
-          <p:nvPr>
-            <p:ph type="title"/>
-          </p:nvPr>
-        </p:nvSpPr>
-        <p:spPr/>
-        <p:txBody>
-          <a:bodyPr/>
-          <a:lstStyle/>
-          <a:p>
-            <a:r>
-              <a:rPr lang="en-US" dirty="0" smtClean="0"/>
-              <a:t>Useful Software Links</a:t>
-            </a:r>
-            <a:endParaRPr lang="en-US" dirty="0"/>
-          </a:p>
-        </p:txBody>
-      </p:sp>
-      <p:sp>
-        <p:nvSpPr>
-          <p:cNvPr id="3" name="Content Placeholder 2"/>
-          <p:cNvSpPr>
-            <a:spLocks noGrp="1"/>
-          </p:cNvSpPr>
-          <p:nvPr>
-            <p:ph idx="1"/>
-          </p:nvPr>
-        </p:nvSpPr>
-        <p:spPr/>
-        <p:txBody>
-          <a:bodyPr/>
-          <a:lstStyle/>
-          <a:p>
-            <a:r>
-              <a:rPr lang="en-US" dirty="0" smtClean="0"/>
-              <a:t>Windows </a:t>
-            </a:r>
-            <a:r>
-              <a:rPr lang="en-US" dirty="0" smtClean="0"/>
-              <a:t>Phone </a:t>
-            </a:r>
-            <a:r>
-              <a:rPr lang="en-US" dirty="0" smtClean="0"/>
-              <a:t>8.1 </a:t>
-            </a:r>
-            <a:r>
-              <a:rPr lang="en-US" dirty="0" smtClean="0"/>
-              <a:t>SDK</a:t>
-            </a:r>
-          </a:p>
-          <a:p>
-            <a:pPr lvl="1"/>
-            <a:r>
-              <a:rPr lang="en-US" dirty="0" smtClean="0">
-                <a:hlinkClick r:id="rId2"/>
-              </a:rPr>
-              <a:t>Download</a:t>
-            </a:r>
-            <a:r>
-              <a:rPr lang="en-US" dirty="0" smtClean="0"/>
-              <a:t>, available to anyone</a:t>
-            </a:r>
-          </a:p>
-          <a:p>
-            <a:pPr lvl="1"/>
-            <a:endParaRPr lang="en-US" dirty="0"/>
-          </a:p>
-          <a:p>
-            <a:r>
-              <a:rPr lang="en-US" dirty="0" smtClean="0"/>
-              <a:t>Developer Registration for Windows Phone </a:t>
-            </a:r>
-            <a:r>
-              <a:rPr lang="en-US" dirty="0" smtClean="0"/>
-              <a:t>8.1</a:t>
-            </a:r>
-            <a:endParaRPr lang="en-US" dirty="0" smtClean="0"/>
-          </a:p>
-          <a:p>
-            <a:pPr lvl="1"/>
-            <a:r>
-              <a:rPr lang="en-US" dirty="0" smtClean="0">
-                <a:hlinkClick r:id="rId3"/>
-              </a:rPr>
-              <a:t>Instructions</a:t>
-            </a:r>
-            <a:r>
-              <a:rPr lang="en-US" dirty="0" smtClean="0"/>
-              <a:t>, necessary for each phone, to allow </a:t>
-            </a:r>
-            <a:r>
-              <a:rPr lang="en-US" dirty="0" smtClean="0"/>
-              <a:t>apps </a:t>
-            </a:r>
-            <a:r>
-              <a:rPr lang="en-US" dirty="0" smtClean="0"/>
-              <a:t>to be </a:t>
-            </a:r>
-            <a:r>
-              <a:rPr lang="en-US" dirty="0" smtClean="0"/>
-              <a:t>side-loaded</a:t>
-            </a:r>
-          </a:p>
-          <a:p>
-            <a:pPr lvl="1"/>
-            <a:endParaRPr lang="en-US" dirty="0"/>
-          </a:p>
-          <a:p>
-            <a:pPr lvl="1"/>
-            <a:endParaRPr lang="en-US" dirty="0" smtClean="0"/>
-          </a:p>
-          <a:p>
-            <a:r>
-              <a:rPr lang="en-US" dirty="0" smtClean="0"/>
               <a:t>Note that to run the emulator, you need a Professional or higher version of Windows!</a:t>
             </a:r>
-            <a:endParaRPr lang="en-US" dirty="0" smtClean="0"/>
           </a:p>
         </p:txBody>
       </p:sp>
